--- a/inversao.pptx
+++ b/inversao.pptx
@@ -200,7 +200,7 @@
           <a:p>
             <a:fld id="{076FC334-CCED-4C7E-8029-FD131919FCA3}" type="datetimeFigureOut">
               <a:rPr lang="pt-BR" smtClean="0"/>
-              <a:t>17/01/2024</a:t>
+              <a:t>24/01/2024</a:t>
             </a:fld>
             <a:endParaRPr lang="pt-BR"/>
           </a:p>
@@ -699,7 +699,7 @@
           <a:p>
             <a:fld id="{CCB64075-8639-4DBF-9EFC-6F515B949A76}" type="datetimeFigureOut">
               <a:rPr lang="pt-BR" smtClean="0"/>
-              <a:t>17/01/2024</a:t>
+              <a:t>24/01/2024</a:t>
             </a:fld>
             <a:endParaRPr lang="pt-BR"/>
           </a:p>
@@ -897,7 +897,7 @@
           <a:p>
             <a:fld id="{CCB64075-8639-4DBF-9EFC-6F515B949A76}" type="datetimeFigureOut">
               <a:rPr lang="pt-BR" smtClean="0"/>
-              <a:t>17/01/2024</a:t>
+              <a:t>24/01/2024</a:t>
             </a:fld>
             <a:endParaRPr lang="pt-BR"/>
           </a:p>
@@ -1105,7 +1105,7 @@
           <a:p>
             <a:fld id="{CCB64075-8639-4DBF-9EFC-6F515B949A76}" type="datetimeFigureOut">
               <a:rPr lang="pt-BR" smtClean="0"/>
-              <a:t>17/01/2024</a:t>
+              <a:t>24/01/2024</a:t>
             </a:fld>
             <a:endParaRPr lang="pt-BR"/>
           </a:p>
@@ -1218,7 +1218,7 @@
           <a:p>
             <a:fld id="{CCB64075-8639-4DBF-9EFC-6F515B949A76}" type="datetimeFigureOut">
               <a:rPr lang="pt-BR" smtClean="0"/>
-              <a:t>17/01/2024</a:t>
+              <a:t>24/01/2024</a:t>
             </a:fld>
             <a:endParaRPr lang="pt-BR"/>
           </a:p>
@@ -1696,7 +1696,7 @@
           <a:p>
             <a:fld id="{CCB64075-8639-4DBF-9EFC-6F515B949A76}" type="datetimeFigureOut">
               <a:rPr lang="pt-BR" smtClean="0"/>
-              <a:t>17/01/2024</a:t>
+              <a:t>24/01/2024</a:t>
             </a:fld>
             <a:endParaRPr lang="pt-BR"/>
           </a:p>
@@ -1961,7 +1961,7 @@
           <a:p>
             <a:fld id="{CCB64075-8639-4DBF-9EFC-6F515B949A76}" type="datetimeFigureOut">
               <a:rPr lang="pt-BR" smtClean="0"/>
-              <a:t>17/01/2024</a:t>
+              <a:t>24/01/2024</a:t>
             </a:fld>
             <a:endParaRPr lang="pt-BR"/>
           </a:p>
@@ -2373,7 +2373,7 @@
           <a:p>
             <a:fld id="{CCB64075-8639-4DBF-9EFC-6F515B949A76}" type="datetimeFigureOut">
               <a:rPr lang="pt-BR" smtClean="0"/>
-              <a:t>17/01/2024</a:t>
+              <a:t>24/01/2024</a:t>
             </a:fld>
             <a:endParaRPr lang="pt-BR"/>
           </a:p>
@@ -2514,7 +2514,7 @@
           <a:p>
             <a:fld id="{CCB64075-8639-4DBF-9EFC-6F515B949A76}" type="datetimeFigureOut">
               <a:rPr lang="pt-BR" smtClean="0"/>
-              <a:t>17/01/2024</a:t>
+              <a:t>24/01/2024</a:t>
             </a:fld>
             <a:endParaRPr lang="pt-BR"/>
           </a:p>
@@ -2627,7 +2627,7 @@
           <a:p>
             <a:fld id="{CCB64075-8639-4DBF-9EFC-6F515B949A76}" type="datetimeFigureOut">
               <a:rPr lang="pt-BR" smtClean="0"/>
-              <a:t>17/01/2024</a:t>
+              <a:t>24/01/2024</a:t>
             </a:fld>
             <a:endParaRPr lang="pt-BR"/>
           </a:p>
@@ -2938,7 +2938,7 @@
           <a:p>
             <a:fld id="{CCB64075-8639-4DBF-9EFC-6F515B949A76}" type="datetimeFigureOut">
               <a:rPr lang="pt-BR" smtClean="0"/>
-              <a:t>17/01/2024</a:t>
+              <a:t>24/01/2024</a:t>
             </a:fld>
             <a:endParaRPr lang="pt-BR"/>
           </a:p>
@@ -3226,7 +3226,7 @@
           <a:p>
             <a:fld id="{CCB64075-8639-4DBF-9EFC-6F515B949A76}" type="datetimeFigureOut">
               <a:rPr lang="pt-BR" smtClean="0"/>
-              <a:t>17/01/2024</a:t>
+              <a:t>24/01/2024</a:t>
             </a:fld>
             <a:endParaRPr lang="pt-BR"/>
           </a:p>
@@ -3467,7 +3467,7 @@
           <a:p>
             <a:fld id="{CCB64075-8639-4DBF-9EFC-6F515B949A76}" type="datetimeFigureOut">
               <a:rPr lang="pt-BR" smtClean="0"/>
-              <a:t>17/01/2024</a:t>
+              <a:t>24/01/2024</a:t>
             </a:fld>
             <a:endParaRPr lang="pt-BR"/>
           </a:p>
@@ -5129,7 +5129,7 @@
                 <a:ea typeface="Ebrima" panose="02000000000000000000" pitchFamily="2" charset="0"/>
                 <a:cs typeface="Ebrima" panose="02000000000000000000" pitchFamily="2" charset="0"/>
               </a:rPr>
-              <a:t>Nome</a:t>
+              <a:t>André Luiz Albano</a:t>
             </a:r>
           </a:p>
           <a:p>

--- a/inversao.pptx
+++ b/inversao.pptx
@@ -5,13 +5,14 @@
     <p:sldMasterId id="2147483648" r:id="rId1"/>
   </p:sldMasterIdLst>
   <p:notesMasterIdLst>
-    <p:notesMasterId r:id="rId6"/>
+    <p:notesMasterId r:id="rId7"/>
   </p:notesMasterIdLst>
   <p:sldIdLst>
     <p:sldId id="257" r:id="rId2"/>
     <p:sldId id="258" r:id="rId3"/>
-    <p:sldId id="259" r:id="rId4"/>
-    <p:sldId id="544" r:id="rId5"/>
+    <p:sldId id="545" r:id="rId4"/>
+    <p:sldId id="259" r:id="rId5"/>
+    <p:sldId id="544" r:id="rId6"/>
   </p:sldIdLst>
   <p:sldSz cx="12192000" cy="6858000"/>
   <p:notesSz cx="6858000" cy="9144000"/>
@@ -511,6 +512,90 @@
           <a:bodyPr/>
           <a:lstStyle/>
           <a:p>
+            <a:endParaRPr lang="pt-BR" dirty="0"/>
+          </a:p>
+        </p:txBody>
+      </p:sp>
+      <p:sp>
+        <p:nvSpPr>
+          <p:cNvPr id="4" name="Espaço Reservado para Número de Slide 3"/>
+          <p:cNvSpPr>
+            <a:spLocks noGrp="1"/>
+          </p:cNvSpPr>
+          <p:nvPr>
+            <p:ph type="sldNum" sz="quarter" idx="5"/>
+          </p:nvPr>
+        </p:nvSpPr>
+        <p:spPr/>
+        <p:txBody>
+          <a:bodyPr/>
+          <a:lstStyle/>
+          <a:p>
+            <a:fld id="{4EA660B7-2CE2-469C-A962-24A110B6F7E1}" type="slidenum">
+              <a:rPr lang="pt-BR" smtClean="0"/>
+              <a:t>3</a:t>
+            </a:fld>
+            <a:endParaRPr lang="pt-BR"/>
+          </a:p>
+        </p:txBody>
+      </p:sp>
+    </p:spTree>
+    <p:extLst>
+      <p:ext uri="{BB962C8B-B14F-4D97-AF65-F5344CB8AC3E}">
+        <p14:creationId xmlns:p14="http://schemas.microsoft.com/office/powerpoint/2010/main" val="3310771776"/>
+      </p:ext>
+    </p:extLst>
+  </p:cSld>
+  <p:clrMapOvr>
+    <a:masterClrMapping/>
+  </p:clrMapOvr>
+</p:notes>
+</file>
+
+<file path=ppt/notesSlides/notesSlide2.xml><?xml version="1.0" encoding="utf-8"?>
+<p:notes xmlns:a="http://schemas.openxmlformats.org/drawingml/2006/main" xmlns:r="http://schemas.openxmlformats.org/officeDocument/2006/relationships" xmlns:p="http://schemas.openxmlformats.org/presentationml/2006/main">
+  <p:cSld>
+    <p:spTree>
+      <p:nvGrpSpPr>
+        <p:cNvPr id="1" name=""/>
+        <p:cNvGrpSpPr/>
+        <p:nvPr/>
+      </p:nvGrpSpPr>
+      <p:grpSpPr>
+        <a:xfrm>
+          <a:off x="0" y="0"/>
+          <a:ext cx="0" cy="0"/>
+          <a:chOff x="0" y="0"/>
+          <a:chExt cx="0" cy="0"/>
+        </a:xfrm>
+      </p:grpSpPr>
+      <p:sp>
+        <p:nvSpPr>
+          <p:cNvPr id="2" name="Espaço Reservado para Imagem de Slide 1"/>
+          <p:cNvSpPr>
+            <a:spLocks noGrp="1" noRot="1" noChangeAspect="1"/>
+          </p:cNvSpPr>
+          <p:nvPr>
+            <p:ph type="sldImg"/>
+          </p:nvPr>
+        </p:nvSpPr>
+        <p:spPr/>
+      </p:sp>
+      <p:sp>
+        <p:nvSpPr>
+          <p:cNvPr id="3" name="Espaço Reservado para Anotações 2"/>
+          <p:cNvSpPr>
+            <a:spLocks noGrp="1"/>
+          </p:cNvSpPr>
+          <p:nvPr>
+            <p:ph type="body" idx="1"/>
+          </p:nvPr>
+        </p:nvSpPr>
+        <p:spPr/>
+        <p:txBody>
+          <a:bodyPr/>
+          <a:lstStyle/>
+          <a:p>
             <a:endParaRPr lang="" dirty="0"/>
           </a:p>
         </p:txBody>
@@ -533,7 +618,7 @@
             <a:fld id="{A7E99134-A8B2-4A9C-868B-C66EBE5677C5}" type="slidenum">
               <a:rPr lang="pt-BR" smtClean="0"/>
               <a:pPr/>
-              <a:t>4</a:t>
+              <a:t>5</a:t>
             </a:fld>
             <a:endParaRPr lang="pt-BR"/>
           </a:p>
@@ -4569,7 +4654,7 @@
                 </a:solidFill>
                 <a:latin typeface="General Sans Medium" pitchFamily="50" charset="0"/>
               </a:rPr>
-              <a:t>Titulo</a:t>
+              <a:t>Mínimos Quadrados sem regularização</a:t>
             </a:r>
           </a:p>
         </p:txBody>
@@ -4651,6 +4736,192 @@
           <a:chExt cx="0" cy="0"/>
         </a:xfrm>
       </p:grpSpPr>
+      <p:pic>
+        <p:nvPicPr>
+          <p:cNvPr id="3" name="Imagem 2">
+            <a:extLst>
+              <a:ext uri="{FF2B5EF4-FFF2-40B4-BE49-F238E27FC236}">
+                <a16:creationId xmlns:a16="http://schemas.microsoft.com/office/drawing/2014/main" id="{41EA2BC6-43A1-D264-365D-F26B96F58A7D}"/>
+              </a:ext>
+            </a:extLst>
+          </p:cNvPr>
+          <p:cNvPicPr>
+            <a:picLocks noChangeAspect="1"/>
+          </p:cNvPicPr>
+          <p:nvPr/>
+        </p:nvPicPr>
+        <p:blipFill>
+          <a:blip r:embed="rId3"/>
+          <a:stretch>
+            <a:fillRect/>
+          </a:stretch>
+        </p:blipFill>
+        <p:spPr>
+          <a:xfrm>
+            <a:off x="114494" y="495300"/>
+            <a:ext cx="6422911" cy="5267325"/>
+          </a:xfrm>
+          <a:prstGeom prst="rect">
+            <a:avLst/>
+          </a:prstGeom>
+        </p:spPr>
+      </p:pic>
+      <p:sp>
+        <p:nvSpPr>
+          <p:cNvPr id="4" name="CaixaDeTexto 3">
+            <a:extLst>
+              <a:ext uri="{FF2B5EF4-FFF2-40B4-BE49-F238E27FC236}">
+                <a16:creationId xmlns:a16="http://schemas.microsoft.com/office/drawing/2014/main" id="{685E8A7E-00DA-71FF-F7DB-737ABCD305A3}"/>
+              </a:ext>
+            </a:extLst>
+          </p:cNvPr>
+          <p:cNvSpPr txBox="1"/>
+          <p:nvPr/>
+        </p:nvSpPr>
+        <p:spPr>
+          <a:xfrm>
+            <a:off x="1714500" y="6010275"/>
+            <a:ext cx="497252" cy="369332"/>
+          </a:xfrm>
+          <a:prstGeom prst="rect">
+            <a:avLst/>
+          </a:prstGeom>
+          <a:noFill/>
+        </p:spPr>
+        <p:txBody>
+          <a:bodyPr wrap="none" rtlCol="0">
+            <a:spAutoFit/>
+          </a:bodyPr>
+          <a:lstStyle/>
+          <a:p>
+            <a:r>
+              <a:rPr lang="en-US" dirty="0"/>
+              <a:t>0.9</a:t>
+            </a:r>
+            <a:endParaRPr lang="pt-BR" dirty="0"/>
+          </a:p>
+        </p:txBody>
+      </p:sp>
+      <p:pic>
+        <p:nvPicPr>
+          <p:cNvPr id="6" name="Imagem 5">
+            <a:extLst>
+              <a:ext uri="{FF2B5EF4-FFF2-40B4-BE49-F238E27FC236}">
+                <a16:creationId xmlns:a16="http://schemas.microsoft.com/office/drawing/2014/main" id="{FE5F0479-E12A-ED1D-3108-F5F3B4FB7344}"/>
+              </a:ext>
+            </a:extLst>
+          </p:cNvPr>
+          <p:cNvPicPr>
+            <a:picLocks noChangeAspect="1"/>
+          </p:cNvPicPr>
+          <p:nvPr/>
+        </p:nvPicPr>
+        <p:blipFill>
+          <a:blip r:embed="rId4"/>
+          <a:stretch>
+            <a:fillRect/>
+          </a:stretch>
+        </p:blipFill>
+        <p:spPr>
+          <a:xfrm>
+            <a:off x="807448" y="755049"/>
+            <a:ext cx="5037001" cy="2207225"/>
+          </a:xfrm>
+          <a:prstGeom prst="rect">
+            <a:avLst/>
+          </a:prstGeom>
+        </p:spPr>
+      </p:pic>
+      <p:pic>
+        <p:nvPicPr>
+          <p:cNvPr id="10" name="Imagem 9">
+            <a:extLst>
+              <a:ext uri="{FF2B5EF4-FFF2-40B4-BE49-F238E27FC236}">
+                <a16:creationId xmlns:a16="http://schemas.microsoft.com/office/drawing/2014/main" id="{DFF7CD9C-4C9F-3197-0FD1-3652B1456C0F}"/>
+              </a:ext>
+            </a:extLst>
+          </p:cNvPr>
+          <p:cNvPicPr>
+            <a:picLocks noChangeAspect="1"/>
+          </p:cNvPicPr>
+          <p:nvPr/>
+        </p:nvPicPr>
+        <p:blipFill>
+          <a:blip r:embed="rId5"/>
+          <a:stretch>
+            <a:fillRect/>
+          </a:stretch>
+        </p:blipFill>
+        <p:spPr>
+          <a:xfrm>
+            <a:off x="5844449" y="852570"/>
+            <a:ext cx="5778563" cy="4738905"/>
+          </a:xfrm>
+          <a:prstGeom prst="rect">
+            <a:avLst/>
+          </a:prstGeom>
+        </p:spPr>
+      </p:pic>
+      <p:pic>
+        <p:nvPicPr>
+          <p:cNvPr id="8" name="Imagem 7">
+            <a:extLst>
+              <a:ext uri="{FF2B5EF4-FFF2-40B4-BE49-F238E27FC236}">
+                <a16:creationId xmlns:a16="http://schemas.microsoft.com/office/drawing/2014/main" id="{665049BD-B87D-1DA6-9203-755E97952305}"/>
+              </a:ext>
+            </a:extLst>
+          </p:cNvPr>
+          <p:cNvPicPr>
+            <a:picLocks noChangeAspect="1"/>
+          </p:cNvPicPr>
+          <p:nvPr/>
+        </p:nvPicPr>
+        <p:blipFill>
+          <a:blip r:embed="rId6"/>
+          <a:stretch>
+            <a:fillRect/>
+          </a:stretch>
+        </p:blipFill>
+        <p:spPr>
+          <a:xfrm>
+            <a:off x="5844449" y="611670"/>
+            <a:ext cx="5364199" cy="2350604"/>
+          </a:xfrm>
+          <a:prstGeom prst="rect">
+            <a:avLst/>
+          </a:prstGeom>
+        </p:spPr>
+      </p:pic>
+    </p:spTree>
+    <p:extLst>
+      <p:ext uri="{BB962C8B-B14F-4D97-AF65-F5344CB8AC3E}">
+        <p14:creationId xmlns:p14="http://schemas.microsoft.com/office/powerpoint/2010/main" val="316120961"/>
+      </p:ext>
+    </p:extLst>
+  </p:cSld>
+  <p:clrMapOvr>
+    <a:masterClrMapping/>
+  </p:clrMapOvr>
+</p:sld>
+</file>
+
+<file path=ppt/slides/slide4.xml><?xml version="1.0" encoding="utf-8"?>
+<p:sld xmlns:a="http://schemas.openxmlformats.org/drawingml/2006/main" xmlns:r="http://schemas.openxmlformats.org/officeDocument/2006/relationships" xmlns:p="http://schemas.openxmlformats.org/presentationml/2006/main">
+  <p:cSld>
+    <p:spTree>
+      <p:nvGrpSpPr>
+        <p:cNvPr id="1" name=""/>
+        <p:cNvGrpSpPr/>
+        <p:nvPr/>
+      </p:nvGrpSpPr>
+      <p:grpSpPr>
+        <a:xfrm>
+          <a:off x="0" y="0"/>
+          <a:ext cx="0" cy="0"/>
+          <a:chOff x="0" y="0"/>
+          <a:chExt cx="0" cy="0"/>
+        </a:xfrm>
+      </p:grpSpPr>
       <p:sp>
         <p:nvSpPr>
           <p:cNvPr id="4" name="Título 1">
@@ -4845,7 +5116,7 @@
 </p:sld>
 </file>
 
-<file path=ppt/slides/slide4.xml><?xml version="1.0" encoding="utf-8"?>
+<file path=ppt/slides/slide5.xml><?xml version="1.0" encoding="utf-8"?>
 <p:sld xmlns:a="http://schemas.openxmlformats.org/drawingml/2006/main" xmlns:r="http://schemas.openxmlformats.org/officeDocument/2006/relationships" xmlns:p="http://schemas.openxmlformats.org/presentationml/2006/main">
   <p:cSld>
     <p:spTree>
